--- a/debrief/img/scm_mismatch.pptx
+++ b/debrief/img/scm_mismatch.pptx
@@ -293,6 +293,30 @@
     </pc:docChg>
   </pc:docChgLst>
   <pc:docChgLst>
+    <pc:chgData name="Frank Huettner" userId="f6e454b679c82f39" providerId="LiveId" clId="{691971E3-B9A9-4CE7-944E-868334D64BFD}"/>
+    <pc:docChg chg="modSld">
+      <pc:chgData name="Frank Huettner" userId="f6e454b679c82f39" providerId="LiveId" clId="{691971E3-B9A9-4CE7-944E-868334D64BFD}" dt="2022-11-14T06:48:09.230" v="3" actId="20577"/>
+      <pc:docMkLst>
+        <pc:docMk/>
+      </pc:docMkLst>
+      <pc:sldChg chg="modSp mod">
+        <pc:chgData name="Frank Huettner" userId="f6e454b679c82f39" providerId="LiveId" clId="{691971E3-B9A9-4CE7-944E-868334D64BFD}" dt="2022-11-14T06:48:09.230" v="3" actId="20577"/>
+        <pc:sldMkLst>
+          <pc:docMk/>
+          <pc:sldMk cId="2144397923" sldId="727"/>
+        </pc:sldMkLst>
+        <pc:spChg chg="mod">
+          <ac:chgData name="Frank Huettner" userId="f6e454b679c82f39" providerId="LiveId" clId="{691971E3-B9A9-4CE7-944E-868334D64BFD}" dt="2022-11-14T06:48:09.230" v="3" actId="20577"/>
+          <ac:spMkLst>
+            <pc:docMk/>
+            <pc:sldMk cId="2144397923" sldId="727"/>
+            <ac:spMk id="19" creationId="{9D31AA07-35CA-D526-7755-A13501715320}"/>
+          </ac:spMkLst>
+        </pc:spChg>
+      </pc:sldChg>
+    </pc:docChg>
+  </pc:docChgLst>
+  <pc:docChgLst>
     <pc:chgData name="Frank Huettner" userId="f6e454b679c82f39" providerId="LiveId" clId="{2CDC581C-FB38-43C9-BD92-8AF66ED7370A}"/>
     <pc:docChg chg="custSel addSld delSld modSld">
       <pc:chgData name="Frank Huettner" userId="f6e454b679c82f39" providerId="LiveId" clId="{2CDC581C-FB38-43C9-BD92-8AF66ED7370A}" dt="2022-05-01T07:47:27.551" v="4"/>
@@ -481,7 +505,7 @@
           <a:p>
             <a:fld id="{2A3C7329-97D0-46BE-9A48-3CE45B156143}" type="datetimeFigureOut">
               <a:rPr lang="en-US" smtClean="0"/>
-              <a:t>5/6/2022</a:t>
+              <a:t>11/14/2022</a:t>
             </a:fld>
             <a:endParaRPr lang="en-US"/>
           </a:p>
@@ -679,7 +703,7 @@
           <a:p>
             <a:fld id="{2A3C7329-97D0-46BE-9A48-3CE45B156143}" type="datetimeFigureOut">
               <a:rPr lang="en-US" smtClean="0"/>
-              <a:t>5/6/2022</a:t>
+              <a:t>11/14/2022</a:t>
             </a:fld>
             <a:endParaRPr lang="en-US"/>
           </a:p>
@@ -887,7 +911,7 @@
           <a:p>
             <a:fld id="{2A3C7329-97D0-46BE-9A48-3CE45B156143}" type="datetimeFigureOut">
               <a:rPr lang="en-US" smtClean="0"/>
-              <a:t>5/6/2022</a:t>
+              <a:t>11/14/2022</a:t>
             </a:fld>
             <a:endParaRPr lang="en-US"/>
           </a:p>
@@ -2294,7 +2318,7 @@
           <a:p>
             <a:fld id="{2A3C7329-97D0-46BE-9A48-3CE45B156143}" type="datetimeFigureOut">
               <a:rPr lang="en-US" smtClean="0"/>
-              <a:t>5/6/2022</a:t>
+              <a:t>11/14/2022</a:t>
             </a:fld>
             <a:endParaRPr lang="en-US"/>
           </a:p>
@@ -2569,7 +2593,7 @@
           <a:p>
             <a:fld id="{2A3C7329-97D0-46BE-9A48-3CE45B156143}" type="datetimeFigureOut">
               <a:rPr lang="en-US" smtClean="0"/>
-              <a:t>5/6/2022</a:t>
+              <a:t>11/14/2022</a:t>
             </a:fld>
             <a:endParaRPr lang="en-US"/>
           </a:p>
@@ -2834,7 +2858,7 @@
           <a:p>
             <a:fld id="{2A3C7329-97D0-46BE-9A48-3CE45B156143}" type="datetimeFigureOut">
               <a:rPr lang="en-US" smtClean="0"/>
-              <a:t>5/6/2022</a:t>
+              <a:t>11/14/2022</a:t>
             </a:fld>
             <a:endParaRPr lang="en-US"/>
           </a:p>
@@ -3246,7 +3270,7 @@
           <a:p>
             <a:fld id="{2A3C7329-97D0-46BE-9A48-3CE45B156143}" type="datetimeFigureOut">
               <a:rPr lang="en-US" smtClean="0"/>
-              <a:t>5/6/2022</a:t>
+              <a:t>11/14/2022</a:t>
             </a:fld>
             <a:endParaRPr lang="en-US"/>
           </a:p>
@@ -3387,7 +3411,7 @@
           <a:p>
             <a:fld id="{2A3C7329-97D0-46BE-9A48-3CE45B156143}" type="datetimeFigureOut">
               <a:rPr lang="en-US" smtClean="0"/>
-              <a:t>5/6/2022</a:t>
+              <a:t>11/14/2022</a:t>
             </a:fld>
             <a:endParaRPr lang="en-US"/>
           </a:p>
@@ -3500,7 +3524,7 @@
           <a:p>
             <a:fld id="{2A3C7329-97D0-46BE-9A48-3CE45B156143}" type="datetimeFigureOut">
               <a:rPr lang="en-US" smtClean="0"/>
-              <a:t>5/6/2022</a:t>
+              <a:t>11/14/2022</a:t>
             </a:fld>
             <a:endParaRPr lang="en-US"/>
           </a:p>
@@ -3811,7 +3835,7 @@
           <a:p>
             <a:fld id="{2A3C7329-97D0-46BE-9A48-3CE45B156143}" type="datetimeFigureOut">
               <a:rPr lang="en-US" smtClean="0"/>
-              <a:t>5/6/2022</a:t>
+              <a:t>11/14/2022</a:t>
             </a:fld>
             <a:endParaRPr lang="en-US"/>
           </a:p>
@@ -4099,7 +4123,7 @@
           <a:p>
             <a:fld id="{2A3C7329-97D0-46BE-9A48-3CE45B156143}" type="datetimeFigureOut">
               <a:rPr lang="en-US" smtClean="0"/>
-              <a:t>5/6/2022</a:t>
+              <a:t>11/14/2022</a:t>
             </a:fld>
             <a:endParaRPr lang="en-US"/>
           </a:p>
@@ -4340,7 +4364,7 @@
           <a:p>
             <a:fld id="{2A3C7329-97D0-46BE-9A48-3CE45B156143}" type="datetimeFigureOut">
               <a:rPr lang="en-US" smtClean="0"/>
-              <a:t>5/6/2022</a:t>
+              <a:t>11/14/2022</a:t>
             </a:fld>
             <a:endParaRPr lang="en-US"/>
           </a:p>
@@ -5132,7 +5156,7 @@
             </a:ln>
             <a:extLst>
               <a:ext uri="{909E8E84-426E-40dd-AFC4-6F175D3DCCD1}">
-                <a14:hiddenFill xmlns="" xmlns:a14="http://schemas.microsoft.com/office/drawing/2010/main">
+                <a14:hiddenFill xmlns:a14="http://schemas.microsoft.com/office/drawing/2010/main" xmlns="">
                   <a:noFill/>
                 </a14:hiddenFill>
               </a:ext>
@@ -5178,14 +5202,14 @@
             </a:ln>
             <a:extLst>
               <a:ext uri="{909E8E84-426E-40dd-AFC4-6F175D3DCCD1}">
-                <a14:hiddenFill xmlns="" xmlns:a14="http://schemas.microsoft.com/office/drawing/2010/main">
+                <a14:hiddenFill xmlns:a14="http://schemas.microsoft.com/office/drawing/2010/main" xmlns="">
                   <a:solidFill>
                     <a:srgbClr val="FFFFFF"/>
                   </a:solidFill>
                 </a14:hiddenFill>
               </a:ext>
               <a:ext uri="{91240B29-F687-4f45-9708-019B960494DF}">
-                <a14:hiddenLine xmlns="" xmlns:a14="http://schemas.microsoft.com/office/drawing/2010/main" w="9525">
+                <a14:hiddenLine xmlns:a14="http://schemas.microsoft.com/office/drawing/2010/main" xmlns="" w="9525">
                   <a:solidFill>
                     <a:srgbClr val="000000"/>
                   </a:solidFill>
@@ -5275,7 +5299,7 @@
             </a:ln>
             <a:extLst>
               <a:ext uri="{909E8E84-426E-40dd-AFC4-6F175D3DCCD1}">
-                <a14:hiddenFill xmlns="" xmlns:a14="http://schemas.microsoft.com/office/drawing/2010/main">
+                <a14:hiddenFill xmlns:a14="http://schemas.microsoft.com/office/drawing/2010/main" xmlns="">
                   <a:noFill/>
                 </a14:hiddenFill>
               </a:ext>
@@ -5321,14 +5345,14 @@
             </a:ln>
             <a:extLst>
               <a:ext uri="{909E8E84-426E-40dd-AFC4-6F175D3DCCD1}">
-                <a14:hiddenFill xmlns="" xmlns:a14="http://schemas.microsoft.com/office/drawing/2010/main">
+                <a14:hiddenFill xmlns:a14="http://schemas.microsoft.com/office/drawing/2010/main" xmlns="">
                   <a:solidFill>
                     <a:srgbClr val="FFFFFF"/>
                   </a:solidFill>
                 </a14:hiddenFill>
               </a:ext>
               <a:ext uri="{91240B29-F687-4f45-9708-019B960494DF}">
-                <a14:hiddenLine xmlns="" xmlns:a14="http://schemas.microsoft.com/office/drawing/2010/main" w="9525">
+                <a14:hiddenLine xmlns:a14="http://schemas.microsoft.com/office/drawing/2010/main" xmlns="" w="9525">
                   <a:solidFill>
                     <a:srgbClr val="000000"/>
                   </a:solidFill>
@@ -5615,7 +5639,7 @@
             </a:ln>
             <a:extLst>
               <a:ext uri="{909E8E84-426E-40dd-AFC4-6F175D3DCCD1}">
-                <a14:hiddenFill xmlns="" xmlns:a14="http://schemas.microsoft.com/office/drawing/2010/main">
+                <a14:hiddenFill xmlns:a14="http://schemas.microsoft.com/office/drawing/2010/main" xmlns="">
                   <a:noFill/>
                 </a14:hiddenFill>
               </a:ext>
@@ -5661,14 +5685,14 @@
             </a:ln>
             <a:extLst>
               <a:ext uri="{909E8E84-426E-40dd-AFC4-6F175D3DCCD1}">
-                <a14:hiddenFill xmlns="" xmlns:a14="http://schemas.microsoft.com/office/drawing/2010/main">
+                <a14:hiddenFill xmlns:a14="http://schemas.microsoft.com/office/drawing/2010/main" xmlns="">
                   <a:solidFill>
                     <a:srgbClr val="FFFFFF"/>
                   </a:solidFill>
                 </a14:hiddenFill>
               </a:ext>
               <a:ext uri="{91240B29-F687-4f45-9708-019B960494DF}">
-                <a14:hiddenLine xmlns="" xmlns:a14="http://schemas.microsoft.com/office/drawing/2010/main" w="9525">
+                <a14:hiddenLine xmlns:a14="http://schemas.microsoft.com/office/drawing/2010/main" xmlns="" w="9525">
                   <a:solidFill>
                     <a:srgbClr val="000000"/>
                   </a:solidFill>
@@ -5853,7 +5877,7 @@
             </a:ln>
             <a:extLst>
               <a:ext uri="{909E8E84-426E-40dd-AFC4-6F175D3DCCD1}">
-                <a14:hiddenFill xmlns="" xmlns:a14="http://schemas.microsoft.com/office/drawing/2010/main">
+                <a14:hiddenFill xmlns:a14="http://schemas.microsoft.com/office/drawing/2010/main" xmlns="">
                   <a:noFill/>
                 </a14:hiddenFill>
               </a:ext>
@@ -5899,14 +5923,14 @@
             </a:ln>
             <a:extLst>
               <a:ext uri="{909E8E84-426E-40dd-AFC4-6F175D3DCCD1}">
-                <a14:hiddenFill xmlns="" xmlns:a14="http://schemas.microsoft.com/office/drawing/2010/main">
+                <a14:hiddenFill xmlns:a14="http://schemas.microsoft.com/office/drawing/2010/main" xmlns="">
                   <a:solidFill>
                     <a:srgbClr val="FFFFFF"/>
                   </a:solidFill>
                 </a14:hiddenFill>
               </a:ext>
               <a:ext uri="{91240B29-F687-4f45-9708-019B960494DF}">
-                <a14:hiddenLine xmlns="" xmlns:a14="http://schemas.microsoft.com/office/drawing/2010/main" w="9525">
+                <a14:hiddenLine xmlns:a14="http://schemas.microsoft.com/office/drawing/2010/main" xmlns="" w="9525">
                   <a:solidFill>
                     <a:srgbClr val="000000"/>
                   </a:solidFill>
@@ -6750,7 +6774,7 @@
                 </a:solidFill>
                 <a:latin typeface="Lexend Deca Light"/>
               </a:rPr>
-              <a:t>from whole seller</a:t>
+              <a:t>from wholesaler</a:t>
             </a:r>
             <a:br>
               <a:rPr lang="en-US" dirty="0">
